--- a/ppt 16-9/0155.生命泉源.pptx
+++ b/ppt 16-9/0155.生命泉源.pptx
@@ -5,7 +5,7 @@
     <p:sldMasterId id="2147483648" r:id="rId1"/>
   </p:sldMasterIdLst>
   <p:sldIdLst>
-    <p:sldId id="2743" r:id="rId2"/>
+    <p:sldId id="2744" r:id="rId2"/>
   </p:sldIdLst>
   <p:sldSz cx="12192000" cy="6858000"/>
   <p:notesSz cx="6858000" cy="9144000"/>
@@ -129,7 +129,7 @@
           <p:cNvPr id="2" name="标题 1">
             <a:extLst>
               <a:ext uri="{FF2B5EF4-FFF2-40B4-BE49-F238E27FC236}">
-                <a16:creationId xmlns:a16="http://schemas.microsoft.com/office/drawing/2014/main" id="{52198653-C3AC-E9EC-CEEC-1455F3A81404}"/>
+                <a16:creationId xmlns:a16="http://schemas.microsoft.com/office/drawing/2014/main" id="{09BE3CB9-0B39-99A9-21B1-C565420C308A}"/>
               </a:ext>
             </a:extLst>
           </p:cNvPr>
@@ -166,7 +166,7 @@
           <p:cNvPr id="3" name="副标题 2">
             <a:extLst>
               <a:ext uri="{FF2B5EF4-FFF2-40B4-BE49-F238E27FC236}">
-                <a16:creationId xmlns:a16="http://schemas.microsoft.com/office/drawing/2014/main" id="{469AD901-7795-40BD-8C1E-26D9FEFA56BA}"/>
+                <a16:creationId xmlns:a16="http://schemas.microsoft.com/office/drawing/2014/main" id="{44D97BEB-DC43-6018-C652-2EB18050E4FA}"/>
               </a:ext>
             </a:extLst>
           </p:cNvPr>
@@ -236,7 +236,7 @@
           <p:cNvPr id="4" name="日期占位符 3">
             <a:extLst>
               <a:ext uri="{FF2B5EF4-FFF2-40B4-BE49-F238E27FC236}">
-                <a16:creationId xmlns:a16="http://schemas.microsoft.com/office/drawing/2014/main" id="{A0498A8B-EFD3-E97A-CE42-4242470F03CE}"/>
+                <a16:creationId xmlns:a16="http://schemas.microsoft.com/office/drawing/2014/main" id="{20079FB8-1FCC-320B-B026-A883C22D1836}"/>
               </a:ext>
             </a:extLst>
           </p:cNvPr>
@@ -252,7 +252,7 @@
           <a:bodyPr/>
           <a:lstStyle/>
           <a:p>
-            <a:fld id="{29D4356B-31EB-4463-BA52-9DE767A5B81C}" type="datetimeFigureOut">
+            <a:fld id="{726F6EE0-52F8-40A4-ACBC-B18A5E761A12}" type="datetimeFigureOut">
               <a:rPr lang="zh-CN" altLang="en-US" smtClean="0"/>
               <a:t>2024/3/10</a:t>
             </a:fld>
@@ -265,7 +265,7 @@
           <p:cNvPr id="5" name="页脚占位符 4">
             <a:extLst>
               <a:ext uri="{FF2B5EF4-FFF2-40B4-BE49-F238E27FC236}">
-                <a16:creationId xmlns:a16="http://schemas.microsoft.com/office/drawing/2014/main" id="{917552DF-106B-AEE9-4A79-D9441B1A95C0}"/>
+                <a16:creationId xmlns:a16="http://schemas.microsoft.com/office/drawing/2014/main" id="{5A8097F5-F3BB-AC94-AFBE-D1DCC3811277}"/>
               </a:ext>
             </a:extLst>
           </p:cNvPr>
@@ -290,7 +290,7 @@
           <p:cNvPr id="6" name="灯片编号占位符 5">
             <a:extLst>
               <a:ext uri="{FF2B5EF4-FFF2-40B4-BE49-F238E27FC236}">
-                <a16:creationId xmlns:a16="http://schemas.microsoft.com/office/drawing/2014/main" id="{AE313EAC-1817-4C27-12C9-6E77739ABBC8}"/>
+                <a16:creationId xmlns:a16="http://schemas.microsoft.com/office/drawing/2014/main" id="{B492F823-5858-420F-D242-31E4F4988CF2}"/>
               </a:ext>
             </a:extLst>
           </p:cNvPr>
@@ -306,7 +306,7 @@
           <a:bodyPr/>
           <a:lstStyle/>
           <a:p>
-            <a:fld id="{35634691-E79F-4BE6-A40D-C666D6C1A0E8}" type="slidenum">
+            <a:fld id="{AAA07636-3CEE-4A85-B377-B3C4894DC617}" type="slidenum">
               <a:rPr lang="zh-CN" altLang="en-US" smtClean="0"/>
               <a:t>‹#›</a:t>
             </a:fld>
@@ -317,7 +317,7 @@
     </p:spTree>
     <p:extLst>
       <p:ext uri="{BB962C8B-B14F-4D97-AF65-F5344CB8AC3E}">
-        <p14:creationId xmlns:p14="http://schemas.microsoft.com/office/powerpoint/2010/main" val="2974441188"/>
+        <p14:creationId xmlns:p14="http://schemas.microsoft.com/office/powerpoint/2010/main" val="340258253"/>
       </p:ext>
     </p:extLst>
   </p:cSld>
@@ -349,7 +349,7 @@
           <p:cNvPr id="2" name="标题 1">
             <a:extLst>
               <a:ext uri="{FF2B5EF4-FFF2-40B4-BE49-F238E27FC236}">
-                <a16:creationId xmlns:a16="http://schemas.microsoft.com/office/drawing/2014/main" id="{22D9D3E0-D15D-730E-B89D-3D6D0EABF8D5}"/>
+                <a16:creationId xmlns:a16="http://schemas.microsoft.com/office/drawing/2014/main" id="{474D67B2-2645-2F7D-3A27-31D689262A16}"/>
               </a:ext>
             </a:extLst>
           </p:cNvPr>
@@ -377,7 +377,7 @@
           <p:cNvPr id="3" name="竖排文字占位符 2">
             <a:extLst>
               <a:ext uri="{FF2B5EF4-FFF2-40B4-BE49-F238E27FC236}">
-                <a16:creationId xmlns:a16="http://schemas.microsoft.com/office/drawing/2014/main" id="{F8078273-F0A5-2C28-51D0-08BD30996A2D}"/>
+                <a16:creationId xmlns:a16="http://schemas.microsoft.com/office/drawing/2014/main" id="{DC049098-AB0C-3AF1-F85C-0A199FCDC38C}"/>
               </a:ext>
             </a:extLst>
           </p:cNvPr>
@@ -434,7 +434,7 @@
           <p:cNvPr id="4" name="日期占位符 3">
             <a:extLst>
               <a:ext uri="{FF2B5EF4-FFF2-40B4-BE49-F238E27FC236}">
-                <a16:creationId xmlns:a16="http://schemas.microsoft.com/office/drawing/2014/main" id="{BCFAB476-A0DB-9AEC-C88B-40ABD920917C}"/>
+                <a16:creationId xmlns:a16="http://schemas.microsoft.com/office/drawing/2014/main" id="{387EA81C-C91A-E37E-851B-56F125BEEB3D}"/>
               </a:ext>
             </a:extLst>
           </p:cNvPr>
@@ -450,7 +450,7 @@
           <a:bodyPr/>
           <a:lstStyle/>
           <a:p>
-            <a:fld id="{29D4356B-31EB-4463-BA52-9DE767A5B81C}" type="datetimeFigureOut">
+            <a:fld id="{726F6EE0-52F8-40A4-ACBC-B18A5E761A12}" type="datetimeFigureOut">
               <a:rPr lang="zh-CN" altLang="en-US" smtClean="0"/>
               <a:t>2024/3/10</a:t>
             </a:fld>
@@ -463,7 +463,7 @@
           <p:cNvPr id="5" name="页脚占位符 4">
             <a:extLst>
               <a:ext uri="{FF2B5EF4-FFF2-40B4-BE49-F238E27FC236}">
-                <a16:creationId xmlns:a16="http://schemas.microsoft.com/office/drawing/2014/main" id="{4637CD04-89C9-B1A4-EC44-570A9D1BEE71}"/>
+                <a16:creationId xmlns:a16="http://schemas.microsoft.com/office/drawing/2014/main" id="{6953AC3D-657C-EA37-4727-0CF0DB092146}"/>
               </a:ext>
             </a:extLst>
           </p:cNvPr>
@@ -488,7 +488,7 @@
           <p:cNvPr id="6" name="灯片编号占位符 5">
             <a:extLst>
               <a:ext uri="{FF2B5EF4-FFF2-40B4-BE49-F238E27FC236}">
-                <a16:creationId xmlns:a16="http://schemas.microsoft.com/office/drawing/2014/main" id="{974AEA99-FAC5-D360-C4CA-BA5B883D64BF}"/>
+                <a16:creationId xmlns:a16="http://schemas.microsoft.com/office/drawing/2014/main" id="{DAB7E625-67AC-F340-C1D3-3A816109D352}"/>
               </a:ext>
             </a:extLst>
           </p:cNvPr>
@@ -504,7 +504,7 @@
           <a:bodyPr/>
           <a:lstStyle/>
           <a:p>
-            <a:fld id="{35634691-E79F-4BE6-A40D-C666D6C1A0E8}" type="slidenum">
+            <a:fld id="{AAA07636-3CEE-4A85-B377-B3C4894DC617}" type="slidenum">
               <a:rPr lang="zh-CN" altLang="en-US" smtClean="0"/>
               <a:t>‹#›</a:t>
             </a:fld>
@@ -515,7 +515,7 @@
     </p:spTree>
     <p:extLst>
       <p:ext uri="{BB962C8B-B14F-4D97-AF65-F5344CB8AC3E}">
-        <p14:creationId xmlns:p14="http://schemas.microsoft.com/office/powerpoint/2010/main" val="2308729404"/>
+        <p14:creationId xmlns:p14="http://schemas.microsoft.com/office/powerpoint/2010/main" val="1066191442"/>
       </p:ext>
     </p:extLst>
   </p:cSld>
@@ -547,7 +547,7 @@
           <p:cNvPr id="2" name="竖排标题 1">
             <a:extLst>
               <a:ext uri="{FF2B5EF4-FFF2-40B4-BE49-F238E27FC236}">
-                <a16:creationId xmlns:a16="http://schemas.microsoft.com/office/drawing/2014/main" id="{EF338772-FE04-7656-0CEA-4EAF9627935D}"/>
+                <a16:creationId xmlns:a16="http://schemas.microsoft.com/office/drawing/2014/main" id="{F0664FDD-B51D-6884-3526-34A9460C89FE}"/>
               </a:ext>
             </a:extLst>
           </p:cNvPr>
@@ -580,7 +580,7 @@
           <p:cNvPr id="3" name="竖排文字占位符 2">
             <a:extLst>
               <a:ext uri="{FF2B5EF4-FFF2-40B4-BE49-F238E27FC236}">
-                <a16:creationId xmlns:a16="http://schemas.microsoft.com/office/drawing/2014/main" id="{953AE1EF-A336-8EAF-79E6-9576B5B2F0A8}"/>
+                <a16:creationId xmlns:a16="http://schemas.microsoft.com/office/drawing/2014/main" id="{EC46700D-76C7-4F11-384A-B093D4A6E2A3}"/>
               </a:ext>
             </a:extLst>
           </p:cNvPr>
@@ -642,7 +642,7 @@
           <p:cNvPr id="4" name="日期占位符 3">
             <a:extLst>
               <a:ext uri="{FF2B5EF4-FFF2-40B4-BE49-F238E27FC236}">
-                <a16:creationId xmlns:a16="http://schemas.microsoft.com/office/drawing/2014/main" id="{5395B663-A13D-30A6-A40D-52D30FBB5515}"/>
+                <a16:creationId xmlns:a16="http://schemas.microsoft.com/office/drawing/2014/main" id="{93F4E250-53EA-0F0F-1C6D-461377129AD9}"/>
               </a:ext>
             </a:extLst>
           </p:cNvPr>
@@ -658,7 +658,7 @@
           <a:bodyPr/>
           <a:lstStyle/>
           <a:p>
-            <a:fld id="{29D4356B-31EB-4463-BA52-9DE767A5B81C}" type="datetimeFigureOut">
+            <a:fld id="{726F6EE0-52F8-40A4-ACBC-B18A5E761A12}" type="datetimeFigureOut">
               <a:rPr lang="zh-CN" altLang="en-US" smtClean="0"/>
               <a:t>2024/3/10</a:t>
             </a:fld>
@@ -671,7 +671,7 @@
           <p:cNvPr id="5" name="页脚占位符 4">
             <a:extLst>
               <a:ext uri="{FF2B5EF4-FFF2-40B4-BE49-F238E27FC236}">
-                <a16:creationId xmlns:a16="http://schemas.microsoft.com/office/drawing/2014/main" id="{0BA9DE28-551C-6DAB-CCD0-10384038A287}"/>
+                <a16:creationId xmlns:a16="http://schemas.microsoft.com/office/drawing/2014/main" id="{0C9ADA70-F310-EAA2-D724-1196034BC8E5}"/>
               </a:ext>
             </a:extLst>
           </p:cNvPr>
@@ -696,7 +696,7 @@
           <p:cNvPr id="6" name="灯片编号占位符 5">
             <a:extLst>
               <a:ext uri="{FF2B5EF4-FFF2-40B4-BE49-F238E27FC236}">
-                <a16:creationId xmlns:a16="http://schemas.microsoft.com/office/drawing/2014/main" id="{5CF68B6A-2990-E5FC-A086-4E8B175E17B1}"/>
+                <a16:creationId xmlns:a16="http://schemas.microsoft.com/office/drawing/2014/main" id="{42945D5A-DB41-C32B-6DE3-99A7CBF5E49B}"/>
               </a:ext>
             </a:extLst>
           </p:cNvPr>
@@ -712,7 +712,7 @@
           <a:bodyPr/>
           <a:lstStyle/>
           <a:p>
-            <a:fld id="{35634691-E79F-4BE6-A40D-C666D6C1A0E8}" type="slidenum">
+            <a:fld id="{AAA07636-3CEE-4A85-B377-B3C4894DC617}" type="slidenum">
               <a:rPr lang="zh-CN" altLang="en-US" smtClean="0"/>
               <a:t>‹#›</a:t>
             </a:fld>
@@ -723,7 +723,7 @@
     </p:spTree>
     <p:extLst>
       <p:ext uri="{BB962C8B-B14F-4D97-AF65-F5344CB8AC3E}">
-        <p14:creationId xmlns:p14="http://schemas.microsoft.com/office/powerpoint/2010/main" val="2782880091"/>
+        <p14:creationId xmlns:p14="http://schemas.microsoft.com/office/powerpoint/2010/main" val="3925229997"/>
       </p:ext>
     </p:extLst>
   </p:cSld>
@@ -755,7 +755,7 @@
           <p:cNvPr id="2" name="标题 1">
             <a:extLst>
               <a:ext uri="{FF2B5EF4-FFF2-40B4-BE49-F238E27FC236}">
-                <a16:creationId xmlns:a16="http://schemas.microsoft.com/office/drawing/2014/main" id="{17CD7B3F-1F65-D470-DBBA-BB444045946D}"/>
+                <a16:creationId xmlns:a16="http://schemas.microsoft.com/office/drawing/2014/main" id="{D8FA84D8-C024-BE7D-FF08-DD7B18E72EC2}"/>
               </a:ext>
             </a:extLst>
           </p:cNvPr>
@@ -783,7 +783,7 @@
           <p:cNvPr id="3" name="内容占位符 2">
             <a:extLst>
               <a:ext uri="{FF2B5EF4-FFF2-40B4-BE49-F238E27FC236}">
-                <a16:creationId xmlns:a16="http://schemas.microsoft.com/office/drawing/2014/main" id="{B81AF830-3E80-2536-8BB6-E8A254C3683A}"/>
+                <a16:creationId xmlns:a16="http://schemas.microsoft.com/office/drawing/2014/main" id="{3B6BCF58-17D4-3405-801D-AF7AA3633D1B}"/>
               </a:ext>
             </a:extLst>
           </p:cNvPr>
@@ -840,7 +840,7 @@
           <p:cNvPr id="4" name="日期占位符 3">
             <a:extLst>
               <a:ext uri="{FF2B5EF4-FFF2-40B4-BE49-F238E27FC236}">
-                <a16:creationId xmlns:a16="http://schemas.microsoft.com/office/drawing/2014/main" id="{81005AF6-32D6-840A-6940-0E6929BA4CEF}"/>
+                <a16:creationId xmlns:a16="http://schemas.microsoft.com/office/drawing/2014/main" id="{A29A2CC4-054A-A257-6142-3C86ACEC886D}"/>
               </a:ext>
             </a:extLst>
           </p:cNvPr>
@@ -856,7 +856,7 @@
           <a:bodyPr/>
           <a:lstStyle/>
           <a:p>
-            <a:fld id="{29D4356B-31EB-4463-BA52-9DE767A5B81C}" type="datetimeFigureOut">
+            <a:fld id="{726F6EE0-52F8-40A4-ACBC-B18A5E761A12}" type="datetimeFigureOut">
               <a:rPr lang="zh-CN" altLang="en-US" smtClean="0"/>
               <a:t>2024/3/10</a:t>
             </a:fld>
@@ -869,7 +869,7 @@
           <p:cNvPr id="5" name="页脚占位符 4">
             <a:extLst>
               <a:ext uri="{FF2B5EF4-FFF2-40B4-BE49-F238E27FC236}">
-                <a16:creationId xmlns:a16="http://schemas.microsoft.com/office/drawing/2014/main" id="{026BFA03-B167-B7DE-D78E-E2B60B411E06}"/>
+                <a16:creationId xmlns:a16="http://schemas.microsoft.com/office/drawing/2014/main" id="{48CF8397-EDED-A794-06BA-BAC3D132E7AD}"/>
               </a:ext>
             </a:extLst>
           </p:cNvPr>
@@ -894,7 +894,7 @@
           <p:cNvPr id="6" name="灯片编号占位符 5">
             <a:extLst>
               <a:ext uri="{FF2B5EF4-FFF2-40B4-BE49-F238E27FC236}">
-                <a16:creationId xmlns:a16="http://schemas.microsoft.com/office/drawing/2014/main" id="{F7EAA9F3-39B2-1F0E-3F45-41D7BB350F3A}"/>
+                <a16:creationId xmlns:a16="http://schemas.microsoft.com/office/drawing/2014/main" id="{CF52ECF1-DC12-A351-EB08-92569A479CCF}"/>
               </a:ext>
             </a:extLst>
           </p:cNvPr>
@@ -910,7 +910,7 @@
           <a:bodyPr/>
           <a:lstStyle/>
           <a:p>
-            <a:fld id="{35634691-E79F-4BE6-A40D-C666D6C1A0E8}" type="slidenum">
+            <a:fld id="{AAA07636-3CEE-4A85-B377-B3C4894DC617}" type="slidenum">
               <a:rPr lang="zh-CN" altLang="en-US" smtClean="0"/>
               <a:t>‹#›</a:t>
             </a:fld>
@@ -921,7 +921,7 @@
     </p:spTree>
     <p:extLst>
       <p:ext uri="{BB962C8B-B14F-4D97-AF65-F5344CB8AC3E}">
-        <p14:creationId xmlns:p14="http://schemas.microsoft.com/office/powerpoint/2010/main" val="3888535678"/>
+        <p14:creationId xmlns:p14="http://schemas.microsoft.com/office/powerpoint/2010/main" val="3895476671"/>
       </p:ext>
     </p:extLst>
   </p:cSld>
@@ -953,7 +953,7 @@
           <p:cNvPr id="2" name="标题 1">
             <a:extLst>
               <a:ext uri="{FF2B5EF4-FFF2-40B4-BE49-F238E27FC236}">
-                <a16:creationId xmlns:a16="http://schemas.microsoft.com/office/drawing/2014/main" id="{A297E62E-DC54-55FF-9E67-FA6E87D56F7B}"/>
+                <a16:creationId xmlns:a16="http://schemas.microsoft.com/office/drawing/2014/main" id="{275E2171-60DB-102E-E872-68D0CDCC3131}"/>
               </a:ext>
             </a:extLst>
           </p:cNvPr>
@@ -990,7 +990,7 @@
           <p:cNvPr id="3" name="文本占位符 2">
             <a:extLst>
               <a:ext uri="{FF2B5EF4-FFF2-40B4-BE49-F238E27FC236}">
-                <a16:creationId xmlns:a16="http://schemas.microsoft.com/office/drawing/2014/main" id="{85BAF0A0-F9B9-C523-A618-F9BE0D1726D7}"/>
+                <a16:creationId xmlns:a16="http://schemas.microsoft.com/office/drawing/2014/main" id="{10DD6D8E-DAD0-610E-6A2B-0439F41419A2}"/>
               </a:ext>
             </a:extLst>
           </p:cNvPr>
@@ -1115,7 +1115,7 @@
           <p:cNvPr id="4" name="日期占位符 3">
             <a:extLst>
               <a:ext uri="{FF2B5EF4-FFF2-40B4-BE49-F238E27FC236}">
-                <a16:creationId xmlns:a16="http://schemas.microsoft.com/office/drawing/2014/main" id="{98C3AB6E-5A6C-4F13-7B24-56FED8B964DF}"/>
+                <a16:creationId xmlns:a16="http://schemas.microsoft.com/office/drawing/2014/main" id="{815BDFFD-C012-331A-3DD4-4C483256030C}"/>
               </a:ext>
             </a:extLst>
           </p:cNvPr>
@@ -1131,7 +1131,7 @@
           <a:bodyPr/>
           <a:lstStyle/>
           <a:p>
-            <a:fld id="{29D4356B-31EB-4463-BA52-9DE767A5B81C}" type="datetimeFigureOut">
+            <a:fld id="{726F6EE0-52F8-40A4-ACBC-B18A5E761A12}" type="datetimeFigureOut">
               <a:rPr lang="zh-CN" altLang="en-US" smtClean="0"/>
               <a:t>2024/3/10</a:t>
             </a:fld>
@@ -1144,7 +1144,7 @@
           <p:cNvPr id="5" name="页脚占位符 4">
             <a:extLst>
               <a:ext uri="{FF2B5EF4-FFF2-40B4-BE49-F238E27FC236}">
-                <a16:creationId xmlns:a16="http://schemas.microsoft.com/office/drawing/2014/main" id="{02A220C9-D8C8-BDFE-CD4F-D052102595EB}"/>
+                <a16:creationId xmlns:a16="http://schemas.microsoft.com/office/drawing/2014/main" id="{E7012DFA-DE1A-E3B4-C996-DFD4A0EF43C5}"/>
               </a:ext>
             </a:extLst>
           </p:cNvPr>
@@ -1169,7 +1169,7 @@
           <p:cNvPr id="6" name="灯片编号占位符 5">
             <a:extLst>
               <a:ext uri="{FF2B5EF4-FFF2-40B4-BE49-F238E27FC236}">
-                <a16:creationId xmlns:a16="http://schemas.microsoft.com/office/drawing/2014/main" id="{C59F76E6-B08A-B321-4C61-ADA4BE42E15B}"/>
+                <a16:creationId xmlns:a16="http://schemas.microsoft.com/office/drawing/2014/main" id="{49DADF12-C506-703C-2F44-F53C041F557D}"/>
               </a:ext>
             </a:extLst>
           </p:cNvPr>
@@ -1185,7 +1185,7 @@
           <a:bodyPr/>
           <a:lstStyle/>
           <a:p>
-            <a:fld id="{35634691-E79F-4BE6-A40D-C666D6C1A0E8}" type="slidenum">
+            <a:fld id="{AAA07636-3CEE-4A85-B377-B3C4894DC617}" type="slidenum">
               <a:rPr lang="zh-CN" altLang="en-US" smtClean="0"/>
               <a:t>‹#›</a:t>
             </a:fld>
@@ -1196,7 +1196,7 @@
     </p:spTree>
     <p:extLst>
       <p:ext uri="{BB962C8B-B14F-4D97-AF65-F5344CB8AC3E}">
-        <p14:creationId xmlns:p14="http://schemas.microsoft.com/office/powerpoint/2010/main" val="2206539494"/>
+        <p14:creationId xmlns:p14="http://schemas.microsoft.com/office/powerpoint/2010/main" val="501805785"/>
       </p:ext>
     </p:extLst>
   </p:cSld>
@@ -1228,7 +1228,7 @@
           <p:cNvPr id="2" name="标题 1">
             <a:extLst>
               <a:ext uri="{FF2B5EF4-FFF2-40B4-BE49-F238E27FC236}">
-                <a16:creationId xmlns:a16="http://schemas.microsoft.com/office/drawing/2014/main" id="{F1E93389-8154-5BD5-C855-CA7ABDF19D9A}"/>
+                <a16:creationId xmlns:a16="http://schemas.microsoft.com/office/drawing/2014/main" id="{D65781C8-F7E7-FC32-6A82-45DFB0049F04}"/>
               </a:ext>
             </a:extLst>
           </p:cNvPr>
@@ -1256,7 +1256,7 @@
           <p:cNvPr id="3" name="内容占位符 2">
             <a:extLst>
               <a:ext uri="{FF2B5EF4-FFF2-40B4-BE49-F238E27FC236}">
-                <a16:creationId xmlns:a16="http://schemas.microsoft.com/office/drawing/2014/main" id="{A5DB1D1A-2FBD-6080-F14C-18A9D15C59C3}"/>
+                <a16:creationId xmlns:a16="http://schemas.microsoft.com/office/drawing/2014/main" id="{4A3728F3-FCC7-A97C-D7E6-449F5B44644C}"/>
               </a:ext>
             </a:extLst>
           </p:cNvPr>
@@ -1318,7 +1318,7 @@
           <p:cNvPr id="4" name="内容占位符 3">
             <a:extLst>
               <a:ext uri="{FF2B5EF4-FFF2-40B4-BE49-F238E27FC236}">
-                <a16:creationId xmlns:a16="http://schemas.microsoft.com/office/drawing/2014/main" id="{CD7D9A24-18E5-5C2C-6C3E-197F44B619E7}"/>
+                <a16:creationId xmlns:a16="http://schemas.microsoft.com/office/drawing/2014/main" id="{68AECF1B-48AB-87E9-4009-F237EC12E164}"/>
               </a:ext>
             </a:extLst>
           </p:cNvPr>
@@ -1380,7 +1380,7 @@
           <p:cNvPr id="5" name="日期占位符 4">
             <a:extLst>
               <a:ext uri="{FF2B5EF4-FFF2-40B4-BE49-F238E27FC236}">
-                <a16:creationId xmlns:a16="http://schemas.microsoft.com/office/drawing/2014/main" id="{2250A369-97A2-3308-3F56-998FBF5DC0E2}"/>
+                <a16:creationId xmlns:a16="http://schemas.microsoft.com/office/drawing/2014/main" id="{3EADEADB-89FE-E5DD-5E8E-C895C06B886A}"/>
               </a:ext>
             </a:extLst>
           </p:cNvPr>
@@ -1396,7 +1396,7 @@
           <a:bodyPr/>
           <a:lstStyle/>
           <a:p>
-            <a:fld id="{29D4356B-31EB-4463-BA52-9DE767A5B81C}" type="datetimeFigureOut">
+            <a:fld id="{726F6EE0-52F8-40A4-ACBC-B18A5E761A12}" type="datetimeFigureOut">
               <a:rPr lang="zh-CN" altLang="en-US" smtClean="0"/>
               <a:t>2024/3/10</a:t>
             </a:fld>
@@ -1409,7 +1409,7 @@
           <p:cNvPr id="6" name="页脚占位符 5">
             <a:extLst>
               <a:ext uri="{FF2B5EF4-FFF2-40B4-BE49-F238E27FC236}">
-                <a16:creationId xmlns:a16="http://schemas.microsoft.com/office/drawing/2014/main" id="{E70E735E-CBA2-E2C6-C8B3-68B82766D0FF}"/>
+                <a16:creationId xmlns:a16="http://schemas.microsoft.com/office/drawing/2014/main" id="{5D7EDF96-A89F-E42C-E0F8-4F9082B02002}"/>
               </a:ext>
             </a:extLst>
           </p:cNvPr>
@@ -1434,7 +1434,7 @@
           <p:cNvPr id="7" name="灯片编号占位符 6">
             <a:extLst>
               <a:ext uri="{FF2B5EF4-FFF2-40B4-BE49-F238E27FC236}">
-                <a16:creationId xmlns:a16="http://schemas.microsoft.com/office/drawing/2014/main" id="{B81AE50E-CE9D-6FF3-6E3A-9C6D830026AC}"/>
+                <a16:creationId xmlns:a16="http://schemas.microsoft.com/office/drawing/2014/main" id="{CAC0A928-4D34-2609-0B7F-EFAA8F14EFEC}"/>
               </a:ext>
             </a:extLst>
           </p:cNvPr>
@@ -1450,7 +1450,7 @@
           <a:bodyPr/>
           <a:lstStyle/>
           <a:p>
-            <a:fld id="{35634691-E79F-4BE6-A40D-C666D6C1A0E8}" type="slidenum">
+            <a:fld id="{AAA07636-3CEE-4A85-B377-B3C4894DC617}" type="slidenum">
               <a:rPr lang="zh-CN" altLang="en-US" smtClean="0"/>
               <a:t>‹#›</a:t>
             </a:fld>
@@ -1461,7 +1461,7 @@
     </p:spTree>
     <p:extLst>
       <p:ext uri="{BB962C8B-B14F-4D97-AF65-F5344CB8AC3E}">
-        <p14:creationId xmlns:p14="http://schemas.microsoft.com/office/powerpoint/2010/main" val="2123968209"/>
+        <p14:creationId xmlns:p14="http://schemas.microsoft.com/office/powerpoint/2010/main" val="1473496703"/>
       </p:ext>
     </p:extLst>
   </p:cSld>
@@ -1493,7 +1493,7 @@
           <p:cNvPr id="2" name="标题 1">
             <a:extLst>
               <a:ext uri="{FF2B5EF4-FFF2-40B4-BE49-F238E27FC236}">
-                <a16:creationId xmlns:a16="http://schemas.microsoft.com/office/drawing/2014/main" id="{8134A37A-258E-5E72-30C3-FD6054E0DFAE}"/>
+                <a16:creationId xmlns:a16="http://schemas.microsoft.com/office/drawing/2014/main" id="{BBCC2062-8D9E-8DBA-EBDC-E39ECD348094}"/>
               </a:ext>
             </a:extLst>
           </p:cNvPr>
@@ -1526,7 +1526,7 @@
           <p:cNvPr id="3" name="文本占位符 2">
             <a:extLst>
               <a:ext uri="{FF2B5EF4-FFF2-40B4-BE49-F238E27FC236}">
-                <a16:creationId xmlns:a16="http://schemas.microsoft.com/office/drawing/2014/main" id="{55E5BAAB-D7AE-A65A-7093-2C686C803B7A}"/>
+                <a16:creationId xmlns:a16="http://schemas.microsoft.com/office/drawing/2014/main" id="{BF684F77-3085-74EE-4D04-32F72945D5DA}"/>
               </a:ext>
             </a:extLst>
           </p:cNvPr>
@@ -1597,7 +1597,7 @@
           <p:cNvPr id="4" name="内容占位符 3">
             <a:extLst>
               <a:ext uri="{FF2B5EF4-FFF2-40B4-BE49-F238E27FC236}">
-                <a16:creationId xmlns:a16="http://schemas.microsoft.com/office/drawing/2014/main" id="{54EE74C2-2B15-273B-C30B-34F9D15383FB}"/>
+                <a16:creationId xmlns:a16="http://schemas.microsoft.com/office/drawing/2014/main" id="{ECB0EF13-9190-0228-12DE-36E6049788BE}"/>
               </a:ext>
             </a:extLst>
           </p:cNvPr>
@@ -1659,7 +1659,7 @@
           <p:cNvPr id="5" name="文本占位符 4">
             <a:extLst>
               <a:ext uri="{FF2B5EF4-FFF2-40B4-BE49-F238E27FC236}">
-                <a16:creationId xmlns:a16="http://schemas.microsoft.com/office/drawing/2014/main" id="{B8A604D6-85A9-E436-CFE1-993CF6BF8EC6}"/>
+                <a16:creationId xmlns:a16="http://schemas.microsoft.com/office/drawing/2014/main" id="{966570C6-C657-C0AC-75B5-7F78E2B6ED19}"/>
               </a:ext>
             </a:extLst>
           </p:cNvPr>
@@ -1730,7 +1730,7 @@
           <p:cNvPr id="6" name="内容占位符 5">
             <a:extLst>
               <a:ext uri="{FF2B5EF4-FFF2-40B4-BE49-F238E27FC236}">
-                <a16:creationId xmlns:a16="http://schemas.microsoft.com/office/drawing/2014/main" id="{F5C42468-210D-5DDF-1A1D-9FCC2FD3E4F8}"/>
+                <a16:creationId xmlns:a16="http://schemas.microsoft.com/office/drawing/2014/main" id="{DB2339FC-FA01-B4B0-E8AD-22C35A27B89B}"/>
               </a:ext>
             </a:extLst>
           </p:cNvPr>
@@ -1792,7 +1792,7 @@
           <p:cNvPr id="7" name="日期占位符 6">
             <a:extLst>
               <a:ext uri="{FF2B5EF4-FFF2-40B4-BE49-F238E27FC236}">
-                <a16:creationId xmlns:a16="http://schemas.microsoft.com/office/drawing/2014/main" id="{D71D21E4-97CE-40C6-8999-CF700DD55EA6}"/>
+                <a16:creationId xmlns:a16="http://schemas.microsoft.com/office/drawing/2014/main" id="{A7C70B5D-DD06-D5CE-F243-50B6E2C879BF}"/>
               </a:ext>
             </a:extLst>
           </p:cNvPr>
@@ -1808,7 +1808,7 @@
           <a:bodyPr/>
           <a:lstStyle/>
           <a:p>
-            <a:fld id="{29D4356B-31EB-4463-BA52-9DE767A5B81C}" type="datetimeFigureOut">
+            <a:fld id="{726F6EE0-52F8-40A4-ACBC-B18A5E761A12}" type="datetimeFigureOut">
               <a:rPr lang="zh-CN" altLang="en-US" smtClean="0"/>
               <a:t>2024/3/10</a:t>
             </a:fld>
@@ -1821,7 +1821,7 @@
           <p:cNvPr id="8" name="页脚占位符 7">
             <a:extLst>
               <a:ext uri="{FF2B5EF4-FFF2-40B4-BE49-F238E27FC236}">
-                <a16:creationId xmlns:a16="http://schemas.microsoft.com/office/drawing/2014/main" id="{ED1DD48B-6A69-5652-BE04-88135D8E94C4}"/>
+                <a16:creationId xmlns:a16="http://schemas.microsoft.com/office/drawing/2014/main" id="{5C40E984-8F9D-7F9B-314D-B1F668B03D70}"/>
               </a:ext>
             </a:extLst>
           </p:cNvPr>
@@ -1846,7 +1846,7 @@
           <p:cNvPr id="9" name="灯片编号占位符 8">
             <a:extLst>
               <a:ext uri="{FF2B5EF4-FFF2-40B4-BE49-F238E27FC236}">
-                <a16:creationId xmlns:a16="http://schemas.microsoft.com/office/drawing/2014/main" id="{7E2AD52C-0176-68F0-58C8-84D17A5E2AA1}"/>
+                <a16:creationId xmlns:a16="http://schemas.microsoft.com/office/drawing/2014/main" id="{5561F336-9643-F301-01DA-0C46119E20E8}"/>
               </a:ext>
             </a:extLst>
           </p:cNvPr>
@@ -1862,7 +1862,7 @@
           <a:bodyPr/>
           <a:lstStyle/>
           <a:p>
-            <a:fld id="{35634691-E79F-4BE6-A40D-C666D6C1A0E8}" type="slidenum">
+            <a:fld id="{AAA07636-3CEE-4A85-B377-B3C4894DC617}" type="slidenum">
               <a:rPr lang="zh-CN" altLang="en-US" smtClean="0"/>
               <a:t>‹#›</a:t>
             </a:fld>
@@ -1873,7 +1873,7 @@
     </p:spTree>
     <p:extLst>
       <p:ext uri="{BB962C8B-B14F-4D97-AF65-F5344CB8AC3E}">
-        <p14:creationId xmlns:p14="http://schemas.microsoft.com/office/powerpoint/2010/main" val="2046710048"/>
+        <p14:creationId xmlns:p14="http://schemas.microsoft.com/office/powerpoint/2010/main" val="1465701996"/>
       </p:ext>
     </p:extLst>
   </p:cSld>
@@ -1905,7 +1905,7 @@
           <p:cNvPr id="2" name="标题 1">
             <a:extLst>
               <a:ext uri="{FF2B5EF4-FFF2-40B4-BE49-F238E27FC236}">
-                <a16:creationId xmlns:a16="http://schemas.microsoft.com/office/drawing/2014/main" id="{83A998A1-6BEA-893B-AFB6-CA6D4F386D08}"/>
+                <a16:creationId xmlns:a16="http://schemas.microsoft.com/office/drawing/2014/main" id="{F22C0F21-D1CA-8017-A2A3-5FD5853C3753}"/>
               </a:ext>
             </a:extLst>
           </p:cNvPr>
@@ -1933,7 +1933,7 @@
           <p:cNvPr id="3" name="日期占位符 2">
             <a:extLst>
               <a:ext uri="{FF2B5EF4-FFF2-40B4-BE49-F238E27FC236}">
-                <a16:creationId xmlns:a16="http://schemas.microsoft.com/office/drawing/2014/main" id="{84304F10-006D-E4E2-BA51-E40FBCA46A3A}"/>
+                <a16:creationId xmlns:a16="http://schemas.microsoft.com/office/drawing/2014/main" id="{6354FB98-E55D-8761-1D3C-A4410EC77FC4}"/>
               </a:ext>
             </a:extLst>
           </p:cNvPr>
@@ -1949,7 +1949,7 @@
           <a:bodyPr/>
           <a:lstStyle/>
           <a:p>
-            <a:fld id="{29D4356B-31EB-4463-BA52-9DE767A5B81C}" type="datetimeFigureOut">
+            <a:fld id="{726F6EE0-52F8-40A4-ACBC-B18A5E761A12}" type="datetimeFigureOut">
               <a:rPr lang="zh-CN" altLang="en-US" smtClean="0"/>
               <a:t>2024/3/10</a:t>
             </a:fld>
@@ -1962,7 +1962,7 @@
           <p:cNvPr id="4" name="页脚占位符 3">
             <a:extLst>
               <a:ext uri="{FF2B5EF4-FFF2-40B4-BE49-F238E27FC236}">
-                <a16:creationId xmlns:a16="http://schemas.microsoft.com/office/drawing/2014/main" id="{11207995-9A86-5650-7B79-420CBBAAAC7C}"/>
+                <a16:creationId xmlns:a16="http://schemas.microsoft.com/office/drawing/2014/main" id="{5488D908-921C-829A-6183-B5E2B4CC7E04}"/>
               </a:ext>
             </a:extLst>
           </p:cNvPr>
@@ -1987,7 +1987,7 @@
           <p:cNvPr id="5" name="灯片编号占位符 4">
             <a:extLst>
               <a:ext uri="{FF2B5EF4-FFF2-40B4-BE49-F238E27FC236}">
-                <a16:creationId xmlns:a16="http://schemas.microsoft.com/office/drawing/2014/main" id="{67468835-3BD5-7531-700B-FC8CD1DB8B3C}"/>
+                <a16:creationId xmlns:a16="http://schemas.microsoft.com/office/drawing/2014/main" id="{0D6D9EEB-43C5-E181-AADE-E49FADCFB138}"/>
               </a:ext>
             </a:extLst>
           </p:cNvPr>
@@ -2003,7 +2003,7 @@
           <a:bodyPr/>
           <a:lstStyle/>
           <a:p>
-            <a:fld id="{35634691-E79F-4BE6-A40D-C666D6C1A0E8}" type="slidenum">
+            <a:fld id="{AAA07636-3CEE-4A85-B377-B3C4894DC617}" type="slidenum">
               <a:rPr lang="zh-CN" altLang="en-US" smtClean="0"/>
               <a:t>‹#›</a:t>
             </a:fld>
@@ -2014,7 +2014,7 @@
     </p:spTree>
     <p:extLst>
       <p:ext uri="{BB962C8B-B14F-4D97-AF65-F5344CB8AC3E}">
-        <p14:creationId xmlns:p14="http://schemas.microsoft.com/office/powerpoint/2010/main" val="793116217"/>
+        <p14:creationId xmlns:p14="http://schemas.microsoft.com/office/powerpoint/2010/main" val="1792084285"/>
       </p:ext>
     </p:extLst>
   </p:cSld>
@@ -2046,7 +2046,7 @@
           <p:cNvPr id="2" name="日期占位符 1">
             <a:extLst>
               <a:ext uri="{FF2B5EF4-FFF2-40B4-BE49-F238E27FC236}">
-                <a16:creationId xmlns:a16="http://schemas.microsoft.com/office/drawing/2014/main" id="{E01367DB-066F-9F4E-0D98-8CB923F4E06C}"/>
+                <a16:creationId xmlns:a16="http://schemas.microsoft.com/office/drawing/2014/main" id="{05F1661C-1A95-4A3D-16B9-CE9E739C20E4}"/>
               </a:ext>
             </a:extLst>
           </p:cNvPr>
@@ -2062,7 +2062,7 @@
           <a:bodyPr/>
           <a:lstStyle/>
           <a:p>
-            <a:fld id="{29D4356B-31EB-4463-BA52-9DE767A5B81C}" type="datetimeFigureOut">
+            <a:fld id="{726F6EE0-52F8-40A4-ACBC-B18A5E761A12}" type="datetimeFigureOut">
               <a:rPr lang="zh-CN" altLang="en-US" smtClean="0"/>
               <a:t>2024/3/10</a:t>
             </a:fld>
@@ -2075,7 +2075,7 @@
           <p:cNvPr id="3" name="页脚占位符 2">
             <a:extLst>
               <a:ext uri="{FF2B5EF4-FFF2-40B4-BE49-F238E27FC236}">
-                <a16:creationId xmlns:a16="http://schemas.microsoft.com/office/drawing/2014/main" id="{2A70B72D-AA22-7339-CF36-0312C8A3435D}"/>
+                <a16:creationId xmlns:a16="http://schemas.microsoft.com/office/drawing/2014/main" id="{DE73331C-EA92-AF73-BBD9-0D3808177015}"/>
               </a:ext>
             </a:extLst>
           </p:cNvPr>
@@ -2100,7 +2100,7 @@
           <p:cNvPr id="4" name="灯片编号占位符 3">
             <a:extLst>
               <a:ext uri="{FF2B5EF4-FFF2-40B4-BE49-F238E27FC236}">
-                <a16:creationId xmlns:a16="http://schemas.microsoft.com/office/drawing/2014/main" id="{9B094C00-28C3-289C-D497-DDE7ADC3C477}"/>
+                <a16:creationId xmlns:a16="http://schemas.microsoft.com/office/drawing/2014/main" id="{E2F2BB97-9A6F-144B-3315-CDCEA6517E8F}"/>
               </a:ext>
             </a:extLst>
           </p:cNvPr>
@@ -2116,7 +2116,7 @@
           <a:bodyPr/>
           <a:lstStyle/>
           <a:p>
-            <a:fld id="{35634691-E79F-4BE6-A40D-C666D6C1A0E8}" type="slidenum">
+            <a:fld id="{AAA07636-3CEE-4A85-B377-B3C4894DC617}" type="slidenum">
               <a:rPr lang="zh-CN" altLang="en-US" smtClean="0"/>
               <a:t>‹#›</a:t>
             </a:fld>
@@ -2127,7 +2127,7 @@
     </p:spTree>
     <p:extLst>
       <p:ext uri="{BB962C8B-B14F-4D97-AF65-F5344CB8AC3E}">
-        <p14:creationId xmlns:p14="http://schemas.microsoft.com/office/powerpoint/2010/main" val="1276805665"/>
+        <p14:creationId xmlns:p14="http://schemas.microsoft.com/office/powerpoint/2010/main" val="2943181331"/>
       </p:ext>
     </p:extLst>
   </p:cSld>
@@ -2159,7 +2159,7 @@
           <p:cNvPr id="2" name="标题 1">
             <a:extLst>
               <a:ext uri="{FF2B5EF4-FFF2-40B4-BE49-F238E27FC236}">
-                <a16:creationId xmlns:a16="http://schemas.microsoft.com/office/drawing/2014/main" id="{A9CCAA2C-EE97-77D1-785D-06416E6E80A3}"/>
+                <a16:creationId xmlns:a16="http://schemas.microsoft.com/office/drawing/2014/main" id="{20FC8AA8-8718-7AA0-4C77-EAB8EB70470D}"/>
               </a:ext>
             </a:extLst>
           </p:cNvPr>
@@ -2196,7 +2196,7 @@
           <p:cNvPr id="3" name="内容占位符 2">
             <a:extLst>
               <a:ext uri="{FF2B5EF4-FFF2-40B4-BE49-F238E27FC236}">
-                <a16:creationId xmlns:a16="http://schemas.microsoft.com/office/drawing/2014/main" id="{EB6D64A7-03F5-5762-11B2-0A8FE1D5AF63}"/>
+                <a16:creationId xmlns:a16="http://schemas.microsoft.com/office/drawing/2014/main" id="{74E296B7-9253-174C-D895-465A92DFCBE4}"/>
               </a:ext>
             </a:extLst>
           </p:cNvPr>
@@ -2286,7 +2286,7 @@
           <p:cNvPr id="4" name="文本占位符 3">
             <a:extLst>
               <a:ext uri="{FF2B5EF4-FFF2-40B4-BE49-F238E27FC236}">
-                <a16:creationId xmlns:a16="http://schemas.microsoft.com/office/drawing/2014/main" id="{FF8BDCA3-81E3-2394-04E8-A6233EF1376B}"/>
+                <a16:creationId xmlns:a16="http://schemas.microsoft.com/office/drawing/2014/main" id="{B61B249D-89AE-3D66-6D54-0D8B07644A03}"/>
               </a:ext>
             </a:extLst>
           </p:cNvPr>
@@ -2357,7 +2357,7 @@
           <p:cNvPr id="5" name="日期占位符 4">
             <a:extLst>
               <a:ext uri="{FF2B5EF4-FFF2-40B4-BE49-F238E27FC236}">
-                <a16:creationId xmlns:a16="http://schemas.microsoft.com/office/drawing/2014/main" id="{865157C3-0997-D830-1DA8-774B1B33CD8A}"/>
+                <a16:creationId xmlns:a16="http://schemas.microsoft.com/office/drawing/2014/main" id="{EC23F988-3190-5957-367F-EDB176F4862C}"/>
               </a:ext>
             </a:extLst>
           </p:cNvPr>
@@ -2373,7 +2373,7 @@
           <a:bodyPr/>
           <a:lstStyle/>
           <a:p>
-            <a:fld id="{29D4356B-31EB-4463-BA52-9DE767A5B81C}" type="datetimeFigureOut">
+            <a:fld id="{726F6EE0-52F8-40A4-ACBC-B18A5E761A12}" type="datetimeFigureOut">
               <a:rPr lang="zh-CN" altLang="en-US" smtClean="0"/>
               <a:t>2024/3/10</a:t>
             </a:fld>
@@ -2386,7 +2386,7 @@
           <p:cNvPr id="6" name="页脚占位符 5">
             <a:extLst>
               <a:ext uri="{FF2B5EF4-FFF2-40B4-BE49-F238E27FC236}">
-                <a16:creationId xmlns:a16="http://schemas.microsoft.com/office/drawing/2014/main" id="{EFCEA93D-A62C-9806-A989-4D3C37B5747E}"/>
+                <a16:creationId xmlns:a16="http://schemas.microsoft.com/office/drawing/2014/main" id="{44BFC426-22E1-4B76-74F1-786C507F3869}"/>
               </a:ext>
             </a:extLst>
           </p:cNvPr>
@@ -2411,7 +2411,7 @@
           <p:cNvPr id="7" name="灯片编号占位符 6">
             <a:extLst>
               <a:ext uri="{FF2B5EF4-FFF2-40B4-BE49-F238E27FC236}">
-                <a16:creationId xmlns:a16="http://schemas.microsoft.com/office/drawing/2014/main" id="{AB9198E6-3260-3B6E-29D7-B7C33B322B2D}"/>
+                <a16:creationId xmlns:a16="http://schemas.microsoft.com/office/drawing/2014/main" id="{459D1006-6D9E-F0FA-E8CD-2A18AB96032D}"/>
               </a:ext>
             </a:extLst>
           </p:cNvPr>
@@ -2427,7 +2427,7 @@
           <a:bodyPr/>
           <a:lstStyle/>
           <a:p>
-            <a:fld id="{35634691-E79F-4BE6-A40D-C666D6C1A0E8}" type="slidenum">
+            <a:fld id="{AAA07636-3CEE-4A85-B377-B3C4894DC617}" type="slidenum">
               <a:rPr lang="zh-CN" altLang="en-US" smtClean="0"/>
               <a:t>‹#›</a:t>
             </a:fld>
@@ -2438,7 +2438,7 @@
     </p:spTree>
     <p:extLst>
       <p:ext uri="{BB962C8B-B14F-4D97-AF65-F5344CB8AC3E}">
-        <p14:creationId xmlns:p14="http://schemas.microsoft.com/office/powerpoint/2010/main" val="632998128"/>
+        <p14:creationId xmlns:p14="http://schemas.microsoft.com/office/powerpoint/2010/main" val="1963923396"/>
       </p:ext>
     </p:extLst>
   </p:cSld>
@@ -2470,7 +2470,7 @@
           <p:cNvPr id="2" name="标题 1">
             <a:extLst>
               <a:ext uri="{FF2B5EF4-FFF2-40B4-BE49-F238E27FC236}">
-                <a16:creationId xmlns:a16="http://schemas.microsoft.com/office/drawing/2014/main" id="{B66209D2-33B2-5EFD-3CEC-3EFD495C6172}"/>
+                <a16:creationId xmlns:a16="http://schemas.microsoft.com/office/drawing/2014/main" id="{7510AA2E-A400-A2D5-A2C7-D6DF698C5855}"/>
               </a:ext>
             </a:extLst>
           </p:cNvPr>
@@ -2507,7 +2507,7 @@
           <p:cNvPr id="3" name="图片占位符 2">
             <a:extLst>
               <a:ext uri="{FF2B5EF4-FFF2-40B4-BE49-F238E27FC236}">
-                <a16:creationId xmlns:a16="http://schemas.microsoft.com/office/drawing/2014/main" id="{7A2E2DF5-1F53-EED7-CDE6-106E0EC256B5}"/>
+                <a16:creationId xmlns:a16="http://schemas.microsoft.com/office/drawing/2014/main" id="{DD14A289-7E5C-C0A5-B608-C8A2018F5FBD}"/>
               </a:ext>
             </a:extLst>
           </p:cNvPr>
@@ -2574,7 +2574,7 @@
           <p:cNvPr id="4" name="文本占位符 3">
             <a:extLst>
               <a:ext uri="{FF2B5EF4-FFF2-40B4-BE49-F238E27FC236}">
-                <a16:creationId xmlns:a16="http://schemas.microsoft.com/office/drawing/2014/main" id="{FD4972DD-0D08-C6BB-2095-7261164956F9}"/>
+                <a16:creationId xmlns:a16="http://schemas.microsoft.com/office/drawing/2014/main" id="{69AE7326-7348-5EAF-B85F-3285344073A8}"/>
               </a:ext>
             </a:extLst>
           </p:cNvPr>
@@ -2645,7 +2645,7 @@
           <p:cNvPr id="5" name="日期占位符 4">
             <a:extLst>
               <a:ext uri="{FF2B5EF4-FFF2-40B4-BE49-F238E27FC236}">
-                <a16:creationId xmlns:a16="http://schemas.microsoft.com/office/drawing/2014/main" id="{BBA748B0-4040-B423-FBEE-734610314F30}"/>
+                <a16:creationId xmlns:a16="http://schemas.microsoft.com/office/drawing/2014/main" id="{6694FFDC-5DA4-32D2-407C-5C728125E608}"/>
               </a:ext>
             </a:extLst>
           </p:cNvPr>
@@ -2661,7 +2661,7 @@
           <a:bodyPr/>
           <a:lstStyle/>
           <a:p>
-            <a:fld id="{29D4356B-31EB-4463-BA52-9DE767A5B81C}" type="datetimeFigureOut">
+            <a:fld id="{726F6EE0-52F8-40A4-ACBC-B18A5E761A12}" type="datetimeFigureOut">
               <a:rPr lang="zh-CN" altLang="en-US" smtClean="0"/>
               <a:t>2024/3/10</a:t>
             </a:fld>
@@ -2674,7 +2674,7 @@
           <p:cNvPr id="6" name="页脚占位符 5">
             <a:extLst>
               <a:ext uri="{FF2B5EF4-FFF2-40B4-BE49-F238E27FC236}">
-                <a16:creationId xmlns:a16="http://schemas.microsoft.com/office/drawing/2014/main" id="{60D30D80-3FFC-2D24-E974-61190E659E5C}"/>
+                <a16:creationId xmlns:a16="http://schemas.microsoft.com/office/drawing/2014/main" id="{25287647-F52D-A852-13FA-DF0613FAE866}"/>
               </a:ext>
             </a:extLst>
           </p:cNvPr>
@@ -2699,7 +2699,7 @@
           <p:cNvPr id="7" name="灯片编号占位符 6">
             <a:extLst>
               <a:ext uri="{FF2B5EF4-FFF2-40B4-BE49-F238E27FC236}">
-                <a16:creationId xmlns:a16="http://schemas.microsoft.com/office/drawing/2014/main" id="{57326532-B5C1-2EE3-BD5D-04A97763A0E7}"/>
+                <a16:creationId xmlns:a16="http://schemas.microsoft.com/office/drawing/2014/main" id="{56B74BC2-D7C5-C9AC-C6E9-BC549A3564EE}"/>
               </a:ext>
             </a:extLst>
           </p:cNvPr>
@@ -2715,7 +2715,7 @@
           <a:bodyPr/>
           <a:lstStyle/>
           <a:p>
-            <a:fld id="{35634691-E79F-4BE6-A40D-C666D6C1A0E8}" type="slidenum">
+            <a:fld id="{AAA07636-3CEE-4A85-B377-B3C4894DC617}" type="slidenum">
               <a:rPr lang="zh-CN" altLang="en-US" smtClean="0"/>
               <a:t>‹#›</a:t>
             </a:fld>
@@ -2726,7 +2726,7 @@
     </p:spTree>
     <p:extLst>
       <p:ext uri="{BB962C8B-B14F-4D97-AF65-F5344CB8AC3E}">
-        <p14:creationId xmlns:p14="http://schemas.microsoft.com/office/powerpoint/2010/main" val="4035962086"/>
+        <p14:creationId xmlns:p14="http://schemas.microsoft.com/office/powerpoint/2010/main" val="2566880860"/>
       </p:ext>
     </p:extLst>
   </p:cSld>
@@ -2763,7 +2763,7 @@
           <p:cNvPr id="2" name="标题占位符 1">
             <a:extLst>
               <a:ext uri="{FF2B5EF4-FFF2-40B4-BE49-F238E27FC236}">
-                <a16:creationId xmlns:a16="http://schemas.microsoft.com/office/drawing/2014/main" id="{26D8DCE4-B1F2-653C-D99D-B7B066E8CB00}"/>
+                <a16:creationId xmlns:a16="http://schemas.microsoft.com/office/drawing/2014/main" id="{50FC854B-E130-4A50-14C9-A2B83AF16AED}"/>
               </a:ext>
             </a:extLst>
           </p:cNvPr>
@@ -2801,7 +2801,7 @@
           <p:cNvPr id="3" name="文本占位符 2">
             <a:extLst>
               <a:ext uri="{FF2B5EF4-FFF2-40B4-BE49-F238E27FC236}">
-                <a16:creationId xmlns:a16="http://schemas.microsoft.com/office/drawing/2014/main" id="{29973245-178C-AE11-E433-213ED4194ED0}"/>
+                <a16:creationId xmlns:a16="http://schemas.microsoft.com/office/drawing/2014/main" id="{B1881D3D-B1E5-6B55-C986-32E17C5B6EEE}"/>
               </a:ext>
             </a:extLst>
           </p:cNvPr>
@@ -2868,7 +2868,7 @@
           <p:cNvPr id="4" name="日期占位符 3">
             <a:extLst>
               <a:ext uri="{FF2B5EF4-FFF2-40B4-BE49-F238E27FC236}">
-                <a16:creationId xmlns:a16="http://schemas.microsoft.com/office/drawing/2014/main" id="{11997A72-8AFF-1FAC-426D-B403DFFFF051}"/>
+                <a16:creationId xmlns:a16="http://schemas.microsoft.com/office/drawing/2014/main" id="{6865D040-0A7A-5055-4444-B641C173F714}"/>
               </a:ext>
             </a:extLst>
           </p:cNvPr>
@@ -2902,7 +2902,7 @@
             </a:lvl1pPr>
           </a:lstStyle>
           <a:p>
-            <a:fld id="{29D4356B-31EB-4463-BA52-9DE767A5B81C}" type="datetimeFigureOut">
+            <a:fld id="{726F6EE0-52F8-40A4-ACBC-B18A5E761A12}" type="datetimeFigureOut">
               <a:rPr lang="zh-CN" altLang="en-US" smtClean="0"/>
               <a:t>2024/3/10</a:t>
             </a:fld>
@@ -2915,7 +2915,7 @@
           <p:cNvPr id="5" name="页脚占位符 4">
             <a:extLst>
               <a:ext uri="{FF2B5EF4-FFF2-40B4-BE49-F238E27FC236}">
-                <a16:creationId xmlns:a16="http://schemas.microsoft.com/office/drawing/2014/main" id="{65699B4F-8906-A747-3B99-AEA1C1164BFB}"/>
+                <a16:creationId xmlns:a16="http://schemas.microsoft.com/office/drawing/2014/main" id="{FB46931B-1DDE-9010-202E-A40FAB8DE381}"/>
               </a:ext>
             </a:extLst>
           </p:cNvPr>
@@ -2958,7 +2958,7 @@
           <p:cNvPr id="6" name="灯片编号占位符 5">
             <a:extLst>
               <a:ext uri="{FF2B5EF4-FFF2-40B4-BE49-F238E27FC236}">
-                <a16:creationId xmlns:a16="http://schemas.microsoft.com/office/drawing/2014/main" id="{128DFE8E-535D-38EC-D078-B4E289B9AF02}"/>
+                <a16:creationId xmlns:a16="http://schemas.microsoft.com/office/drawing/2014/main" id="{14C51A51-9C8E-444C-33D6-BADDD5535193}"/>
               </a:ext>
             </a:extLst>
           </p:cNvPr>
@@ -2992,7 +2992,7 @@
             </a:lvl1pPr>
           </a:lstStyle>
           <a:p>
-            <a:fld id="{35634691-E79F-4BE6-A40D-C666D6C1A0E8}" type="slidenum">
+            <a:fld id="{AAA07636-3CEE-4A85-B377-B3C4894DC617}" type="slidenum">
               <a:rPr lang="zh-CN" altLang="en-US" smtClean="0"/>
               <a:t>‹#›</a:t>
             </a:fld>
@@ -3003,7 +3003,7 @@
     </p:spTree>
     <p:extLst>
       <p:ext uri="{BB962C8B-B14F-4D97-AF65-F5344CB8AC3E}">
-        <p14:creationId xmlns:p14="http://schemas.microsoft.com/office/powerpoint/2010/main" val="3298988460"/>
+        <p14:creationId xmlns:p14="http://schemas.microsoft.com/office/powerpoint/2010/main" val="253113561"/>
       </p:ext>
     </p:extLst>
   </p:cSld>
@@ -3323,7 +3323,7 @@
       </p:grpSpPr>
       <p:pic>
         <p:nvPicPr>
-          <p:cNvPr id="158722" name="Picture 2" descr="154"/>
+          <p:cNvPr id="159746" name="Picture 2" descr="155"/>
           <p:cNvPicPr>
             <a:picLocks noChangeAspect="1" noChangeArrowheads="1"/>
           </p:cNvPicPr>
